--- a/Digit Prediction SlideDoc.pptx
+++ b/Digit Prediction SlideDoc.pptx
@@ -284,7 +284,7 @@
           <a:p>
             <a:fld id="{58B8EB65-FCB1-492D-96F1-1EEFDB36395A}" type="datetimeFigureOut">
               <a:rPr lang="en-US" smtClean="0"/>
-              <a:t>11/24/2020</a:t>
+              <a:t>12/4/2020</a:t>
             </a:fld>
             <a:endParaRPr lang="en-US"/>
           </a:p>
@@ -449,7 +449,7 @@
           <a:p>
             <a:fld id="{8272A57C-5FAA-4E66-BDD9-A79C3D547D7C}" type="datetimeFigureOut">
               <a:rPr lang="en-US" smtClean="0"/>
-              <a:t>11/24/2020</a:t>
+              <a:t>12/4/2020</a:t>
             </a:fld>
             <a:endParaRPr lang="en-US"/>
           </a:p>
@@ -5696,8 +5696,8 @@
           </a:p>
         </p:txBody>
       </p:sp>
-      <mc:AlternateContent xmlns:mc="http://schemas.openxmlformats.org/markup-compatibility/2006">
-        <mc:Choice xmlns:a14="http://schemas.microsoft.com/office/drawing/2010/main" Requires="a14">
+      <mc:AlternateContent xmlns:mc="http://schemas.openxmlformats.org/markup-compatibility/2006" xmlns:a14="http://schemas.microsoft.com/office/drawing/2010/main">
+        <mc:Choice Requires="a14">
           <p:sp>
             <p:nvSpPr>
               <p:cNvPr id="3" name="Content Placeholder 2">
@@ -6403,7 +6403,7 @@
             </p:txBody>
           </p:sp>
         </mc:Choice>
-        <mc:Fallback>
+        <mc:Fallback xmlns="">
           <p:sp>
             <p:nvSpPr>
               <p:cNvPr id="3" name="Content Placeholder 2">
@@ -6690,8 +6690,8 @@
           </a:p>
         </p:txBody>
       </p:sp>
-      <mc:AlternateContent xmlns:mc="http://schemas.openxmlformats.org/markup-compatibility/2006">
-        <mc:Choice xmlns:a14="http://schemas.microsoft.com/office/drawing/2010/main" Requires="a14">
+      <mc:AlternateContent xmlns:mc="http://schemas.openxmlformats.org/markup-compatibility/2006" xmlns:a14="http://schemas.microsoft.com/office/drawing/2010/main">
+        <mc:Choice Requires="a14">
           <p:sp>
             <p:nvSpPr>
               <p:cNvPr id="3" name="Content Placeholder 2">
@@ -6959,7 +6959,7 @@
             </p:txBody>
           </p:sp>
         </mc:Choice>
-        <mc:Fallback>
+        <mc:Fallback xmlns="">
           <p:sp>
             <p:nvSpPr>
               <p:cNvPr id="3" name="Content Placeholder 2">
@@ -7264,8 +7264,8 @@
           </a:p>
         </p:txBody>
       </p:sp>
-      <mc:AlternateContent xmlns:mc="http://schemas.openxmlformats.org/markup-compatibility/2006">
-        <mc:Choice xmlns:a14="http://schemas.microsoft.com/office/drawing/2010/main" Requires="a14">
+      <mc:AlternateContent xmlns:mc="http://schemas.openxmlformats.org/markup-compatibility/2006" xmlns:a14="http://schemas.microsoft.com/office/drawing/2010/main">
+        <mc:Choice Requires="a14">
           <p:sp>
             <p:nvSpPr>
               <p:cNvPr id="6" name="Content Placeholder 3">
@@ -7510,7 +7510,7 @@
                           <m:sSub>
                             <m:sSubPr>
                               <m:ctrlPr>
-                                <a:rPr lang="en-US" b="0" i="0" smtClean="0">
+                                <a:rPr lang="en-US" b="0" i="1" smtClean="0">
                                   <a:solidFill>
                                     <a:schemeClr val="tx1"/>
                                   </a:solidFill>
@@ -7664,7 +7664,7 @@
                     <m:sSub>
                       <m:sSubPr>
                         <m:ctrlPr>
-                          <a:rPr lang="en-US" sz="1100">
+                          <a:rPr lang="en-US" sz="1100" i="1">
                             <a:solidFill>
                               <a:schemeClr val="tx1"/>
                             </a:solidFill>
@@ -7707,7 +7707,7 @@
                     <m:sSub>
                       <m:sSubPr>
                         <m:ctrlPr>
-                          <a:rPr lang="en-US" sz="1100">
+                          <a:rPr lang="en-US" sz="1100" i="1">
                             <a:solidFill>
                               <a:schemeClr val="tx1"/>
                             </a:solidFill>
@@ -7759,7 +7759,7 @@
             </p:txBody>
           </p:sp>
         </mc:Choice>
-        <mc:Fallback>
+        <mc:Fallback xmlns="">
           <p:sp>
             <p:nvSpPr>
               <p:cNvPr id="6" name="Content Placeholder 3">
@@ -8349,8 +8349,8 @@
           </a:p>
         </p:txBody>
       </p:sp>
-      <mc:AlternateContent xmlns:mc="http://schemas.openxmlformats.org/markup-compatibility/2006">
-        <mc:Choice xmlns:a14="http://schemas.microsoft.com/office/drawing/2010/main" Requires="a14">
+      <mc:AlternateContent xmlns:mc="http://schemas.openxmlformats.org/markup-compatibility/2006" xmlns:a14="http://schemas.microsoft.com/office/drawing/2010/main">
+        <mc:Choice Requires="a14">
           <p:sp>
             <p:nvSpPr>
               <p:cNvPr id="3" name="Content Placeholder 2">
@@ -8790,7 +8790,7 @@
                     <m:sSub>
                       <m:sSubPr>
                         <m:ctrlPr>
-                          <a:rPr lang="en-US" sz="1100">
+                          <a:rPr lang="en-US" sz="1100" i="1">
                             <a:solidFill>
                               <a:schemeClr val="tx1"/>
                             </a:solidFill>
@@ -8842,7 +8842,7 @@
                     <m:sSub>
                       <m:sSubPr>
                         <m:ctrlPr>
-                          <a:rPr lang="en-US" sz="1100">
+                          <a:rPr lang="en-US" sz="1100" i="1">
                             <a:solidFill>
                               <a:schemeClr val="tx1"/>
                             </a:solidFill>
@@ -9866,7 +9866,7 @@
             </p:txBody>
           </p:sp>
         </mc:Choice>
-        <mc:Fallback>
+        <mc:Fallback xmlns="">
           <p:sp>
             <p:nvSpPr>
               <p:cNvPr id="3" name="Content Placeholder 2">
@@ -9997,8 +9997,8 @@
           </a:p>
         </p:txBody>
       </p:sp>
-      <mc:AlternateContent xmlns:mc="http://schemas.openxmlformats.org/markup-compatibility/2006">
-        <mc:Choice xmlns:a14="http://schemas.microsoft.com/office/drawing/2010/main" Requires="a14">
+      <mc:AlternateContent xmlns:mc="http://schemas.openxmlformats.org/markup-compatibility/2006" xmlns:a14="http://schemas.microsoft.com/office/drawing/2010/main">
+        <mc:Choice Requires="a14">
           <p:sp>
             <p:nvSpPr>
               <p:cNvPr id="3" name="Content Placeholder 2">
@@ -10080,7 +10080,7 @@
                             <m:sSub>
                               <m:sSubPr>
                                 <m:ctrlPr>
-                                  <a:rPr lang="en-US" sz="1100">
+                                  <a:rPr lang="en-US" sz="1100" i="1">
                                     <a:solidFill>
                                       <a:schemeClr val="tx1"/>
                                     </a:solidFill>
@@ -11666,7 +11666,7 @@
             </p:txBody>
           </p:sp>
         </mc:Choice>
-        <mc:Fallback>
+        <mc:Fallback xmlns="">
           <p:sp>
             <p:nvSpPr>
               <p:cNvPr id="3" name="Content Placeholder 2">
@@ -11793,8 +11793,8 @@
           </a:p>
         </p:txBody>
       </p:sp>
-      <mc:AlternateContent xmlns:mc="http://schemas.openxmlformats.org/markup-compatibility/2006">
-        <mc:Choice xmlns:a14="http://schemas.microsoft.com/office/drawing/2010/main" Requires="a14">
+      <mc:AlternateContent xmlns:mc="http://schemas.openxmlformats.org/markup-compatibility/2006" xmlns:a14="http://schemas.microsoft.com/office/drawing/2010/main">
+        <mc:Choice Requires="a14">
           <p:sp>
             <p:nvSpPr>
               <p:cNvPr id="3" name="Content Placeholder 2">
@@ -11858,16 +11858,7 @@
                           </a:solidFill>
                           <a:latin typeface="Cambria Math" panose="02040503050406030204" pitchFamily="18" charset="0"/>
                         </a:rPr>
-                        <m:t>=</m:t>
-                      </m:r>
-                      <m:r>
-                        <a:rPr lang="en-US" sz="1200" b="0" i="1" smtClean="0">
-                          <a:solidFill>
-                            <a:schemeClr val="tx1"/>
-                          </a:solidFill>
-                          <a:latin typeface="Cambria Math" panose="02040503050406030204" pitchFamily="18" charset="0"/>
-                        </a:rPr>
-                        <m:t>2</m:t>
+                        <m:t>=2</m:t>
                       </m:r>
                       <m:r>
                         <a:rPr lang="en-US" sz="1200" b="0" i="1" smtClean="0">
@@ -11943,7 +11934,7 @@
             </p:txBody>
           </p:sp>
         </mc:Choice>
-        <mc:Fallback>
+        <mc:Fallback xmlns="">
           <p:sp>
             <p:nvSpPr>
               <p:cNvPr id="3" name="Content Placeholder 2">
@@ -11983,8 +11974,8 @@
           </p:sp>
         </mc:Fallback>
       </mc:AlternateContent>
-      <mc:AlternateContent xmlns:mc="http://schemas.openxmlformats.org/markup-compatibility/2006">
-        <mc:Choice xmlns:a14="http://schemas.microsoft.com/office/drawing/2010/main" Requires="a14">
+      <mc:AlternateContent xmlns:mc="http://schemas.openxmlformats.org/markup-compatibility/2006" xmlns:a14="http://schemas.microsoft.com/office/drawing/2010/main">
+        <mc:Choice Requires="a14">
           <p:sp>
             <p:nvSpPr>
               <p:cNvPr id="4" name="Content Placeholder 3">
@@ -12185,7 +12176,7 @@
             </p:txBody>
           </p:sp>
         </mc:Choice>
-        <mc:Fallback>
+        <mc:Fallback xmlns="">
           <p:sp>
             <p:nvSpPr>
               <p:cNvPr id="4" name="Content Placeholder 3">
@@ -13667,8 +13658,8 @@
           </a:p>
         </p:txBody>
       </p:sp>
-      <mc:AlternateContent xmlns:mc="http://schemas.openxmlformats.org/markup-compatibility/2006">
-        <mc:Choice xmlns:a14="http://schemas.microsoft.com/office/drawing/2010/main" Requires="a14">
+      <mc:AlternateContent xmlns:mc="http://schemas.openxmlformats.org/markup-compatibility/2006" xmlns:a14="http://schemas.microsoft.com/office/drawing/2010/main">
+        <mc:Choice Requires="a14">
           <p:sp>
             <p:nvSpPr>
               <p:cNvPr id="3" name="Content Placeholder 2">
@@ -13756,7 +13747,7 @@
                           <m:sSub>
                             <m:sSubPr>
                               <m:ctrlPr>
-                                <a:rPr lang="en-US" b="1" i="0" smtClean="0">
+                                <a:rPr lang="en-US" b="1" i="1" smtClean="0">
                                   <a:solidFill>
                                     <a:schemeClr val="tx1"/>
                                   </a:solidFill>
@@ -14428,7 +14419,7 @@
                     <m:sSub>
                       <m:sSubPr>
                         <m:ctrlPr>
-                          <a:rPr lang="en-US" b="1" i="0" smtClean="0">
+                          <a:rPr lang="en-US" b="1" i="1" smtClean="0">
                             <a:solidFill>
                               <a:schemeClr val="tx1"/>
                             </a:solidFill>
@@ -14666,7 +14657,7 @@
             </p:txBody>
           </p:sp>
         </mc:Choice>
-        <mc:Fallback>
+        <mc:Fallback xmlns="">
           <p:sp>
             <p:nvSpPr>
               <p:cNvPr id="3" name="Content Placeholder 2">
@@ -14979,7 +14970,7 @@
               <a:buAutoNum type="arabicPeriod"/>
             </a:pPr>
             <a:r>
-              <a:rPr lang="en-US" sz="1600" i="0" dirty="0">
+              <a:rPr lang="en-US" sz="1100" i="0" dirty="0">
                 <a:solidFill>
                   <a:schemeClr val="tx1"/>
                 </a:solidFill>
@@ -14994,7 +14985,7 @@
               <a:buAutoNum type="arabicPeriod"/>
             </a:pPr>
             <a:r>
-              <a:rPr lang="en-US" sz="1600" i="0" dirty="0">
+              <a:rPr lang="en-US" sz="1100" i="0" dirty="0">
                 <a:solidFill>
                   <a:schemeClr val="tx1"/>
                 </a:solidFill>
@@ -15004,6 +14995,39 @@
             </a:r>
           </a:p>
           <a:p>
+            <a:pPr marL="342900" indent="-342900">
+              <a:buFont typeface="+mj-lt"/>
+              <a:buAutoNum type="arabicPeriod"/>
+            </a:pPr>
+            <a:r>
+              <a:rPr lang="en-US" sz="1100" i="0" dirty="0">
+                <a:solidFill>
+                  <a:schemeClr val="tx1"/>
+                </a:solidFill>
+                <a:latin typeface="+mn-lt"/>
+              </a:rPr>
+              <a:t>As we see from the plot, accuracy does level off with 5-6 MFCCs used. Interestingly, </a:t>
+            </a:r>
+            <a:r>
+              <a:rPr lang="en-US" sz="1100" i="0" dirty="0" err="1">
+                <a:solidFill>
+                  <a:schemeClr val="tx1"/>
+                </a:solidFill>
+                <a:latin typeface="+mn-lt"/>
+              </a:rPr>
+              <a:t>KMeans</a:t>
+            </a:r>
+            <a:r>
+              <a:rPr lang="en-US" sz="1100" i="0" dirty="0">
+                <a:solidFill>
+                  <a:schemeClr val="tx1"/>
+                </a:solidFill>
+                <a:latin typeface="+mn-lt"/>
+              </a:rPr>
+              <a:t> accuracy decreases if all 13 MFCCs are used, likely a result of the curse of dimensionality. However, the Gaussian Model does not have this tradeoff.</a:t>
+            </a:r>
+          </a:p>
+          <a:p>
             <a:pPr>
               <a:buNone/>
             </a:pPr>
@@ -15011,37 +15035,12 @@
           </a:p>
         </p:txBody>
       </p:sp>
-      <p:sp>
-        <p:nvSpPr>
-          <p:cNvPr id="5" name="Text Placeholder 4">
+      <p:pic>
+        <p:nvPicPr>
+          <p:cNvPr id="6" name="Picture 5" descr="Chart, bar chart&#10;&#10;Description automatically generated">
             <a:extLst>
               <a:ext uri="{FF2B5EF4-FFF2-40B4-BE49-F238E27FC236}">
-                <a16:creationId xmlns:a16="http://schemas.microsoft.com/office/drawing/2014/main" id="{AAFB0DB9-6FCC-480B-B515-FFB2BB3DECD1}"/>
-              </a:ext>
-            </a:extLst>
-          </p:cNvPr>
-          <p:cNvSpPr>
-            <a:spLocks noGrp="1"/>
-          </p:cNvSpPr>
-          <p:nvPr>
-            <p:ph type="body" sz="quarter" idx="11"/>
-          </p:nvPr>
-        </p:nvSpPr>
-        <p:spPr/>
-        <p:txBody>
-          <a:bodyPr/>
-          <a:lstStyle/>
-          <a:p>
-            <a:endParaRPr lang="en-US"/>
-          </a:p>
-        </p:txBody>
-      </p:sp>
-      <p:pic>
-        <p:nvPicPr>
-          <p:cNvPr id="7" name="Picture 6" descr="Chart, bar chart&#10;&#10;Description automatically generated">
-            <a:extLst>
-              <a:ext uri="{FF2B5EF4-FFF2-40B4-BE49-F238E27FC236}">
-                <a16:creationId xmlns:a16="http://schemas.microsoft.com/office/drawing/2014/main" id="{AC1C6605-31E2-4B3F-ACDE-CB0AC4613046}"/>
+                <a16:creationId xmlns:a16="http://schemas.microsoft.com/office/drawing/2014/main" id="{C2572F76-92C2-404E-BA46-B66BF5A5CE12}"/>
               </a:ext>
             </a:extLst>
           </p:cNvPr>
@@ -15051,7 +15050,7 @@
           <p:nvPr/>
         </p:nvPicPr>
         <p:blipFill>
-          <a:blip r:embed="rId2">
+          <a:blip r:embed="rId2" cstate="print">
             <a:extLst>
               <a:ext uri="{28A0092B-C50C-407E-A947-70E740481C1C}">
                 <a14:useLocalDpi xmlns:a14="http://schemas.microsoft.com/office/drawing/2010/main" val="0"/>
@@ -15064,8 +15063,8 @@
         </p:blipFill>
         <p:spPr>
           <a:xfrm>
-            <a:off x="3827585" y="3008924"/>
-            <a:ext cx="4925890" cy="3283926"/>
+            <a:off x="2077503" y="3318581"/>
+            <a:ext cx="5123397" cy="3415598"/>
           </a:xfrm>
           <a:prstGeom prst="rect">
             <a:avLst/>
@@ -16150,8 +16149,8 @@
           </a:p>
         </p:txBody>
       </p:sp>
-      <mc:AlternateContent xmlns:mc="http://schemas.openxmlformats.org/markup-compatibility/2006">
-        <mc:Choice xmlns:a14="http://schemas.microsoft.com/office/drawing/2010/main" Requires="a14">
+      <mc:AlternateContent xmlns:mc="http://schemas.openxmlformats.org/markup-compatibility/2006" xmlns:a14="http://schemas.microsoft.com/office/drawing/2010/main">
+        <mc:Choice Requires="a14">
           <p:sp>
             <p:nvSpPr>
               <p:cNvPr id="5" name="Content Placeholder 4"/>
@@ -16190,7 +16189,7 @@
             </p:txBody>
           </p:sp>
         </mc:Choice>
-        <mc:Fallback>
+        <mc:Fallback xmlns="">
           <p:sp>
             <p:nvSpPr>
               <p:cNvPr id="5" name="Content Placeholder 4"/>
